--- a/trunk/DOC/Egg Money 기능 분석.pptx
+++ b/trunk/DOC/Egg Money 기능 분석.pptx
@@ -297,7 +297,8 @@
           <a:p>
             <a:fld id="{869B5A4F-4E0F-4230-B4C6-ADDFC678F9EE}" type="datetimeFigureOut">
               <a:rPr lang="ko-KR" altLang="en-US" smtClean="0"/>
-              <a:t>2010-06-21</a:t>
+              <a:pPr/>
+              <a:t>2010-06-22</a:t>
             </a:fld>
             <a:endParaRPr lang="ko-KR" altLang="en-US"/>
           </a:p>
@@ -339,6 +340,7 @@
           <a:p>
             <a:fld id="{27B1CD04-2369-4BAE-9407-2500D49A48CC}" type="slidenum">
               <a:rPr lang="ko-KR" altLang="en-US" smtClean="0"/>
+              <a:pPr/>
               <a:t>‹#›</a:t>
             </a:fld>
             <a:endParaRPr lang="ko-KR" altLang="en-US"/>
@@ -462,7 +464,8 @@
           <a:p>
             <a:fld id="{869B5A4F-4E0F-4230-B4C6-ADDFC678F9EE}" type="datetimeFigureOut">
               <a:rPr lang="ko-KR" altLang="en-US" smtClean="0"/>
-              <a:t>2010-06-21</a:t>
+              <a:pPr/>
+              <a:t>2010-06-22</a:t>
             </a:fld>
             <a:endParaRPr lang="ko-KR" altLang="en-US"/>
           </a:p>
@@ -504,6 +507,7 @@
           <a:p>
             <a:fld id="{27B1CD04-2369-4BAE-9407-2500D49A48CC}" type="slidenum">
               <a:rPr lang="ko-KR" altLang="en-US" smtClean="0"/>
+              <a:pPr/>
               <a:t>‹#›</a:t>
             </a:fld>
             <a:endParaRPr lang="ko-KR" altLang="en-US"/>
@@ -637,7 +641,8 @@
           <a:p>
             <a:fld id="{869B5A4F-4E0F-4230-B4C6-ADDFC678F9EE}" type="datetimeFigureOut">
               <a:rPr lang="ko-KR" altLang="en-US" smtClean="0"/>
-              <a:t>2010-06-21</a:t>
+              <a:pPr/>
+              <a:t>2010-06-22</a:t>
             </a:fld>
             <a:endParaRPr lang="ko-KR" altLang="en-US"/>
           </a:p>
@@ -679,6 +684,7 @@
           <a:p>
             <a:fld id="{27B1CD04-2369-4BAE-9407-2500D49A48CC}" type="slidenum">
               <a:rPr lang="ko-KR" altLang="en-US" smtClean="0"/>
+              <a:pPr/>
               <a:t>‹#›</a:t>
             </a:fld>
             <a:endParaRPr lang="ko-KR" altLang="en-US"/>
@@ -802,7 +808,8 @@
           <a:p>
             <a:fld id="{869B5A4F-4E0F-4230-B4C6-ADDFC678F9EE}" type="datetimeFigureOut">
               <a:rPr lang="ko-KR" altLang="en-US" smtClean="0"/>
-              <a:t>2010-06-21</a:t>
+              <a:pPr/>
+              <a:t>2010-06-22</a:t>
             </a:fld>
             <a:endParaRPr lang="ko-KR" altLang="en-US"/>
           </a:p>
@@ -844,6 +851,7 @@
           <a:p>
             <a:fld id="{27B1CD04-2369-4BAE-9407-2500D49A48CC}" type="slidenum">
               <a:rPr lang="ko-KR" altLang="en-US" smtClean="0"/>
+              <a:pPr/>
               <a:t>‹#›</a:t>
             </a:fld>
             <a:endParaRPr lang="ko-KR" altLang="en-US"/>
@@ -1043,7 +1051,8 @@
           <a:p>
             <a:fld id="{869B5A4F-4E0F-4230-B4C6-ADDFC678F9EE}" type="datetimeFigureOut">
               <a:rPr lang="ko-KR" altLang="en-US" smtClean="0"/>
-              <a:t>2010-06-21</a:t>
+              <a:pPr/>
+              <a:t>2010-06-22</a:t>
             </a:fld>
             <a:endParaRPr lang="ko-KR" altLang="en-US"/>
           </a:p>
@@ -1085,6 +1094,7 @@
           <a:p>
             <a:fld id="{27B1CD04-2369-4BAE-9407-2500D49A48CC}" type="slidenum">
               <a:rPr lang="ko-KR" altLang="en-US" smtClean="0"/>
+              <a:pPr/>
               <a:t>‹#›</a:t>
             </a:fld>
             <a:endParaRPr lang="ko-KR" altLang="en-US"/>
@@ -1326,7 +1336,8 @@
           <a:p>
             <a:fld id="{869B5A4F-4E0F-4230-B4C6-ADDFC678F9EE}" type="datetimeFigureOut">
               <a:rPr lang="ko-KR" altLang="en-US" smtClean="0"/>
-              <a:t>2010-06-21</a:t>
+              <a:pPr/>
+              <a:t>2010-06-22</a:t>
             </a:fld>
             <a:endParaRPr lang="ko-KR" altLang="en-US"/>
           </a:p>
@@ -1368,6 +1379,7 @@
           <a:p>
             <a:fld id="{27B1CD04-2369-4BAE-9407-2500D49A48CC}" type="slidenum">
               <a:rPr lang="ko-KR" altLang="en-US" smtClean="0"/>
+              <a:pPr/>
               <a:t>‹#›</a:t>
             </a:fld>
             <a:endParaRPr lang="ko-KR" altLang="en-US"/>
@@ -1743,7 +1755,8 @@
           <a:p>
             <a:fld id="{869B5A4F-4E0F-4230-B4C6-ADDFC678F9EE}" type="datetimeFigureOut">
               <a:rPr lang="ko-KR" altLang="en-US" smtClean="0"/>
-              <a:t>2010-06-21</a:t>
+              <a:pPr/>
+              <a:t>2010-06-22</a:t>
             </a:fld>
             <a:endParaRPr lang="ko-KR" altLang="en-US"/>
           </a:p>
@@ -1785,6 +1798,7 @@
           <a:p>
             <a:fld id="{27B1CD04-2369-4BAE-9407-2500D49A48CC}" type="slidenum">
               <a:rPr lang="ko-KR" altLang="en-US" smtClean="0"/>
+              <a:pPr/>
               <a:t>‹#›</a:t>
             </a:fld>
             <a:endParaRPr lang="ko-KR" altLang="en-US"/>
@@ -1856,7 +1870,8 @@
           <a:p>
             <a:fld id="{869B5A4F-4E0F-4230-B4C6-ADDFC678F9EE}" type="datetimeFigureOut">
               <a:rPr lang="ko-KR" altLang="en-US" smtClean="0"/>
-              <a:t>2010-06-21</a:t>
+              <a:pPr/>
+              <a:t>2010-06-22</a:t>
             </a:fld>
             <a:endParaRPr lang="ko-KR" altLang="en-US"/>
           </a:p>
@@ -1898,6 +1913,7 @@
           <a:p>
             <a:fld id="{27B1CD04-2369-4BAE-9407-2500D49A48CC}" type="slidenum">
               <a:rPr lang="ko-KR" altLang="en-US" smtClean="0"/>
+              <a:pPr/>
               <a:t>‹#›</a:t>
             </a:fld>
             <a:endParaRPr lang="ko-KR" altLang="en-US"/>
@@ -1946,7 +1962,8 @@
           <a:p>
             <a:fld id="{869B5A4F-4E0F-4230-B4C6-ADDFC678F9EE}" type="datetimeFigureOut">
               <a:rPr lang="ko-KR" altLang="en-US" smtClean="0"/>
-              <a:t>2010-06-21</a:t>
+              <a:pPr/>
+              <a:t>2010-06-22</a:t>
             </a:fld>
             <a:endParaRPr lang="ko-KR" altLang="en-US"/>
           </a:p>
@@ -1988,6 +2005,7 @@
           <a:p>
             <a:fld id="{27B1CD04-2369-4BAE-9407-2500D49A48CC}" type="slidenum">
               <a:rPr lang="ko-KR" altLang="en-US" smtClean="0"/>
+              <a:pPr/>
               <a:t>‹#›</a:t>
             </a:fld>
             <a:endParaRPr lang="ko-KR" altLang="en-US"/>
@@ -2218,7 +2236,8 @@
           <a:p>
             <a:fld id="{869B5A4F-4E0F-4230-B4C6-ADDFC678F9EE}" type="datetimeFigureOut">
               <a:rPr lang="ko-KR" altLang="en-US" smtClean="0"/>
-              <a:t>2010-06-21</a:t>
+              <a:pPr/>
+              <a:t>2010-06-22</a:t>
             </a:fld>
             <a:endParaRPr lang="ko-KR" altLang="en-US"/>
           </a:p>
@@ -2260,6 +2279,7 @@
           <a:p>
             <a:fld id="{27B1CD04-2369-4BAE-9407-2500D49A48CC}" type="slidenum">
               <a:rPr lang="ko-KR" altLang="en-US" smtClean="0"/>
+              <a:pPr/>
               <a:t>‹#›</a:t>
             </a:fld>
             <a:endParaRPr lang="ko-KR" altLang="en-US"/>
@@ -2466,7 +2486,8 @@
           <a:p>
             <a:fld id="{869B5A4F-4E0F-4230-B4C6-ADDFC678F9EE}" type="datetimeFigureOut">
               <a:rPr lang="ko-KR" altLang="en-US" smtClean="0"/>
-              <a:t>2010-06-21</a:t>
+              <a:pPr/>
+              <a:t>2010-06-22</a:t>
             </a:fld>
             <a:endParaRPr lang="ko-KR" altLang="en-US"/>
           </a:p>
@@ -2508,6 +2529,7 @@
           <a:p>
             <a:fld id="{27B1CD04-2369-4BAE-9407-2500D49A48CC}" type="slidenum">
               <a:rPr lang="ko-KR" altLang="en-US" smtClean="0"/>
+              <a:pPr/>
               <a:t>‹#›</a:t>
             </a:fld>
             <a:endParaRPr lang="ko-KR" altLang="en-US"/>
@@ -2674,7 +2696,8 @@
           <a:p>
             <a:fld id="{869B5A4F-4E0F-4230-B4C6-ADDFC678F9EE}" type="datetimeFigureOut">
               <a:rPr lang="ko-KR" altLang="en-US" smtClean="0"/>
-              <a:t>2010-06-21</a:t>
+              <a:pPr/>
+              <a:t>2010-06-22</a:t>
             </a:fld>
             <a:endParaRPr lang="ko-KR" altLang="en-US"/>
           </a:p>
@@ -2752,6 +2775,7 @@
           <a:p>
             <a:fld id="{27B1CD04-2369-4BAE-9407-2500D49A48CC}" type="slidenum">
               <a:rPr lang="ko-KR" altLang="en-US" smtClean="0"/>
+              <a:pPr/>
               <a:t>‹#›</a:t>
             </a:fld>
             <a:endParaRPr lang="ko-KR" altLang="en-US"/>
@@ -3298,11 +3322,6 @@
               </a:rPr>
               <a:t>.</a:t>
             </a:r>
-            <a:endParaRPr lang="en-US" altLang="ko-KR" sz="4000" dirty="0" smtClean="0">
-              <a:solidFill>
-                <a:schemeClr val="bg1"/>
-              </a:solidFill>
-            </a:endParaRPr>
           </a:p>
           <a:p>
             <a:pPr marL="742950" indent="-742950"/>
@@ -3331,7 +3350,7 @@
         </p:blipFill>
         <p:spPr bwMode="auto">
           <a:xfrm>
-            <a:off x="395536" y="4581128"/>
+            <a:off x="0" y="4500570"/>
             <a:ext cx="8367713" cy="1460500"/>
           </a:xfrm>
           <a:prstGeom prst="rect">
@@ -4297,12 +4316,28 @@
               <a:buAutoNum type="arabicPeriod"/>
             </a:pPr>
             <a:r>
-              <a:rPr lang="en-US" altLang="ko-KR" sz="4000" dirty="0" smtClean="0">
+              <a:rPr lang="ko-KR" altLang="en-US" sz="4000" dirty="0" err="1" smtClean="0">
                 <a:solidFill>
                   <a:schemeClr val="bg1"/>
                 </a:solidFill>
               </a:rPr>
-              <a:t>9</a:t>
+              <a:t>구백</a:t>
+            </a:r>
+            <a:r>
+              <a:rPr lang="ko-KR" altLang="en-US" sz="4000" dirty="0" err="1" smtClean="0">
+                <a:solidFill>
+                  <a:schemeClr val="bg1"/>
+                </a:solidFill>
+              </a:rPr>
+              <a:t>구</a:t>
+            </a:r>
+            <a:r>
+              <a:rPr lang="ko-KR" altLang="en-US" sz="4000" dirty="0" err="1" smtClean="0">
+                <a:solidFill>
+                  <a:schemeClr val="bg1"/>
+                </a:solidFill>
+              </a:rPr>
+              <a:t>십구만원의</a:t>
             </a:r>
             <a:r>
               <a:rPr lang="ko-KR" altLang="en-US" sz="4000" dirty="0" smtClean="0">
@@ -4310,55 +4345,15 @@
                   <a:schemeClr val="bg1"/>
                 </a:solidFill>
               </a:rPr>
-              <a:t>백</a:t>
-            </a:r>
-            <a:r>
-              <a:rPr lang="en-US" altLang="ko-KR" sz="4000" dirty="0" smtClean="0">
+              <a:t> </a:t>
+            </a:r>
+            <a:r>
+              <a:rPr lang="ko-KR" altLang="en-US" sz="4000" dirty="0" smtClean="0">
                 <a:solidFill>
                   <a:schemeClr val="bg1"/>
                 </a:solidFill>
               </a:rPr>
-              <a:t>9</a:t>
-            </a:r>
-            <a:r>
-              <a:rPr lang="ko-KR" altLang="en-US" sz="4000" dirty="0" smtClean="0">
-                <a:solidFill>
-                  <a:schemeClr val="bg1"/>
-                </a:solidFill>
-              </a:rPr>
-              <a:t>천</a:t>
-            </a:r>
-            <a:r>
-              <a:rPr lang="en-US" altLang="ko-KR" sz="4000" dirty="0" smtClean="0">
-                <a:solidFill>
-                  <a:schemeClr val="bg1"/>
-                </a:solidFill>
-              </a:rPr>
-              <a:t>9</a:t>
-            </a:r>
-            <a:r>
-              <a:rPr lang="ko-KR" altLang="en-US" sz="4000" dirty="0" smtClean="0">
-                <a:solidFill>
-                  <a:schemeClr val="bg1"/>
-                </a:solidFill>
-              </a:rPr>
-              <a:t>십</a:t>
-            </a:r>
-            <a:r>
-              <a:rPr lang="en-US" altLang="ko-KR" sz="4000" dirty="0" smtClean="0">
-                <a:solidFill>
-                  <a:schemeClr val="bg1"/>
-                </a:solidFill>
-              </a:rPr>
-              <a:t>9</a:t>
-            </a:r>
-            <a:r>
-              <a:rPr lang="ko-KR" altLang="en-US" sz="4000" dirty="0" smtClean="0">
-                <a:solidFill>
-                  <a:schemeClr val="bg1"/>
-                </a:solidFill>
-              </a:rPr>
-              <a:t>원의 한계</a:t>
+              <a:t>한계</a:t>
             </a:r>
             <a:endParaRPr lang="en-US" altLang="ko-KR" sz="4000" dirty="0" smtClean="0">
               <a:solidFill>
@@ -4425,8 +4420,8 @@
         </p:blipFill>
         <p:spPr bwMode="auto">
           <a:xfrm>
-            <a:off x="469900" y="2743200"/>
-            <a:ext cx="8202613" cy="1371600"/>
+            <a:off x="-714412" y="2428868"/>
+            <a:ext cx="10363886" cy="1732996"/>
           </a:xfrm>
           <a:prstGeom prst="rect">
             <a:avLst/>
